--- a/Documentation/Conception/Modelisation.pptx
+++ b/Documentation/Conception/Modelisation.pptx
@@ -5,14 +5,16 @@
     <p:sldMasterId id="2147483648" r:id="rId1"/>
   </p:sldMasterIdLst>
   <p:notesMasterIdLst>
-    <p:notesMasterId r:id="rId7"/>
+    <p:notesMasterId r:id="rId9"/>
   </p:notesMasterIdLst>
   <p:sldIdLst>
     <p:sldId id="256" r:id="rId2"/>
-    <p:sldId id="262" r:id="rId3"/>
-    <p:sldId id="258" r:id="rId4"/>
-    <p:sldId id="259" r:id="rId5"/>
-    <p:sldId id="261" r:id="rId6"/>
+    <p:sldId id="265" r:id="rId3"/>
+    <p:sldId id="264" r:id="rId4"/>
+    <p:sldId id="262" r:id="rId5"/>
+    <p:sldId id="258" r:id="rId6"/>
+    <p:sldId id="259" r:id="rId7"/>
+    <p:sldId id="261" r:id="rId8"/>
   </p:sldIdLst>
   <p:sldSz cx="12192000" cy="6858000"/>
   <p:notesSz cx="6858000" cy="9144000"/>
@@ -201,7 +203,7 @@
           <a:p>
             <a:fld id="{A9E80594-54FB-402A-8C9D-43E1F6773999}" type="datetimeFigureOut">
               <a:rPr lang="fr-FR" smtClean="0"/>
-              <a:t>29/12/2019</a:t>
+              <a:t>11/01/2020</a:t>
             </a:fld>
             <a:endParaRPr lang="fr-FR"/>
           </a:p>
@@ -542,6 +544,90 @@
     </p:spTree>
     <p:extLst>
       <p:ext uri="{BB962C8B-B14F-4D97-AF65-F5344CB8AC3E}">
+        <p14:creationId xmlns:p14="http://schemas.microsoft.com/office/powerpoint/2010/main" val="3095699901"/>
+      </p:ext>
+    </p:extLst>
+  </p:cSld>
+  <p:clrMapOvr>
+    <a:masterClrMapping/>
+  </p:clrMapOvr>
+</p:notes>
+</file>
+
+<file path=ppt/notesSlides/notesSlide2.xml><?xml version="1.0" encoding="utf-8"?>
+<p:notes xmlns:a="http://schemas.openxmlformats.org/drawingml/2006/main" xmlns:r="http://schemas.openxmlformats.org/officeDocument/2006/relationships" xmlns:p="http://schemas.openxmlformats.org/presentationml/2006/main">
+  <p:cSld>
+    <p:spTree>
+      <p:nvGrpSpPr>
+        <p:cNvPr id="1" name=""/>
+        <p:cNvGrpSpPr/>
+        <p:nvPr/>
+      </p:nvGrpSpPr>
+      <p:grpSpPr>
+        <a:xfrm>
+          <a:off x="0" y="0"/>
+          <a:ext cx="0" cy="0"/>
+          <a:chOff x="0" y="0"/>
+          <a:chExt cx="0" cy="0"/>
+        </a:xfrm>
+      </p:grpSpPr>
+      <p:sp>
+        <p:nvSpPr>
+          <p:cNvPr id="2" name="Espace réservé de l'image des diapositives 1"/>
+          <p:cNvSpPr>
+            <a:spLocks noGrp="1" noRot="1" noChangeAspect="1"/>
+          </p:cNvSpPr>
+          <p:nvPr>
+            <p:ph type="sldImg"/>
+          </p:nvPr>
+        </p:nvSpPr>
+        <p:spPr/>
+      </p:sp>
+      <p:sp>
+        <p:nvSpPr>
+          <p:cNvPr id="3" name="Espace réservé des notes 2"/>
+          <p:cNvSpPr>
+            <a:spLocks noGrp="1"/>
+          </p:cNvSpPr>
+          <p:nvPr>
+            <p:ph type="body" idx="1"/>
+          </p:nvPr>
+        </p:nvSpPr>
+        <p:spPr/>
+        <p:txBody>
+          <a:bodyPr/>
+          <a:lstStyle/>
+          <a:p>
+            <a:endParaRPr lang="fr-FR" dirty="0"/>
+          </a:p>
+        </p:txBody>
+      </p:sp>
+      <p:sp>
+        <p:nvSpPr>
+          <p:cNvPr id="4" name="Espace réservé du numéro de diapositive 3"/>
+          <p:cNvSpPr>
+            <a:spLocks noGrp="1"/>
+          </p:cNvSpPr>
+          <p:nvPr>
+            <p:ph type="sldNum" sz="quarter" idx="5"/>
+          </p:nvPr>
+        </p:nvSpPr>
+        <p:spPr/>
+        <p:txBody>
+          <a:bodyPr/>
+          <a:lstStyle/>
+          <a:p>
+            <a:fld id="{78FF78CC-D602-4A9A-B8E5-D0B7B5A0C074}" type="slidenum">
+              <a:rPr lang="fr-FR" smtClean="0"/>
+              <a:t>5</a:t>
+            </a:fld>
+            <a:endParaRPr lang="fr-FR"/>
+          </a:p>
+        </p:txBody>
+      </p:sp>
+    </p:spTree>
+    <p:extLst>
+      <p:ext uri="{BB962C8B-B14F-4D97-AF65-F5344CB8AC3E}">
         <p14:creationId xmlns:p14="http://schemas.microsoft.com/office/powerpoint/2010/main" val="3476986718"/>
       </p:ext>
     </p:extLst>
@@ -714,7 +800,7 @@
             <a:fld id="{938FC91C-8F72-4FC3-9EE1-E00D3E055101}" type="datetimeFigureOut">
               <a:rPr lang="fr-FR" smtClean="0"/>
               <a:pPr/>
-              <a:t>29/12/2019</a:t>
+              <a:t>11/01/2020</a:t>
             </a:fld>
             <a:endParaRPr lang="fr-FR" dirty="0"/>
           </a:p>
@@ -929,7 +1015,7 @@
             <a:fld id="{938FC91C-8F72-4FC3-9EE1-E00D3E055101}" type="datetimeFigureOut">
               <a:rPr lang="fr-FR" smtClean="0"/>
               <a:pPr/>
-              <a:t>29/12/2019</a:t>
+              <a:t>11/01/2020</a:t>
             </a:fld>
             <a:endParaRPr lang="fr-FR" dirty="0"/>
           </a:p>
@@ -1109,7 +1195,7 @@
             <a:fld id="{938FC91C-8F72-4FC3-9EE1-E00D3E055101}" type="datetimeFigureOut">
               <a:rPr lang="fr-FR" smtClean="0"/>
               <a:pPr/>
-              <a:t>29/12/2019</a:t>
+              <a:t>11/01/2020</a:t>
             </a:fld>
             <a:endParaRPr lang="fr-FR" dirty="0"/>
           </a:p>
@@ -1224,7 +1310,7 @@
           <a:p>
             <a:fld id="{938FC91C-8F72-4FC3-9EE1-E00D3E055101}" type="datetimeFigureOut">
               <a:rPr lang="fr-FR" smtClean="0"/>
-              <a:t>29/12/2019</a:t>
+              <a:t>11/01/2020</a:t>
             </a:fld>
             <a:endParaRPr lang="fr-FR"/>
           </a:p>
@@ -1581,7 +1667,7 @@
           <a:p>
             <a:fld id="{938FC91C-8F72-4FC3-9EE1-E00D3E055101}" type="datetimeFigureOut">
               <a:rPr lang="fr-FR" smtClean="0"/>
-              <a:t>29/12/2019</a:t>
+              <a:t>11/01/2020</a:t>
             </a:fld>
             <a:endParaRPr lang="fr-FR" dirty="0"/>
           </a:p>
@@ -2220,7 +2306,162 @@
           <a:p>
             <a:r>
               <a:rPr lang="fr-FR" dirty="0"/>
-              <a:t>Diagramme de Séquence</a:t>
+              <a:t>Diagramme de cas d’utilisation</a:t>
+            </a:r>
+          </a:p>
+        </p:txBody>
+      </p:sp>
+    </p:spTree>
+    <p:extLst>
+      <p:ext uri="{BB962C8B-B14F-4D97-AF65-F5344CB8AC3E}">
+        <p14:creationId xmlns:p14="http://schemas.microsoft.com/office/powerpoint/2010/main" val="1468510209"/>
+      </p:ext>
+    </p:extLst>
+  </p:cSld>
+  <p:clrMapOvr>
+    <a:masterClrMapping/>
+  </p:clrMapOvr>
+  <mc:AlternateContent xmlns:mc="http://schemas.openxmlformats.org/markup-compatibility/2006" xmlns:p14="http://schemas.microsoft.com/office/powerpoint/2010/main">
+    <mc:Choice Requires="p14">
+      <p:transition>
+        <p14:ripple/>
+      </p:transition>
+    </mc:Choice>
+    <mc:Fallback xmlns="">
+      <p:transition>
+        <p:fade/>
+      </p:transition>
+    </mc:Fallback>
+  </mc:AlternateContent>
+</p:sld>
+</file>
+
+<file path=ppt/slides/slide3.xml><?xml version="1.0" encoding="utf-8"?>
+<p:sld xmlns:a="http://schemas.openxmlformats.org/drawingml/2006/main" xmlns:r="http://schemas.openxmlformats.org/officeDocument/2006/relationships" xmlns:p="http://schemas.openxmlformats.org/presentationml/2006/main">
+  <p:cSld>
+    <p:spTree>
+      <p:nvGrpSpPr>
+        <p:cNvPr id="1" name=""/>
+        <p:cNvGrpSpPr/>
+        <p:nvPr/>
+      </p:nvGrpSpPr>
+      <p:grpSpPr>
+        <a:xfrm>
+          <a:off x="0" y="0"/>
+          <a:ext cx="0" cy="0"/>
+          <a:chOff x="0" y="0"/>
+          <a:chExt cx="0" cy="0"/>
+        </a:xfrm>
+      </p:grpSpPr>
+      <p:pic>
+        <p:nvPicPr>
+          <p:cNvPr id="3" name="Image 2">
+            <a:extLst>
+              <a:ext uri="{FF2B5EF4-FFF2-40B4-BE49-F238E27FC236}">
+                <a16:creationId xmlns:a16="http://schemas.microsoft.com/office/drawing/2014/main" id="{1C806BEB-237C-4143-87E2-37A096A21BBB}"/>
+              </a:ext>
+            </a:extLst>
+          </p:cNvPr>
+          <p:cNvPicPr>
+            <a:picLocks noChangeAspect="1"/>
+          </p:cNvPicPr>
+          <p:nvPr/>
+        </p:nvPicPr>
+        <p:blipFill>
+          <a:blip r:embed="rId3">
+            <a:extLst>
+              <a:ext uri="{28A0092B-C50C-407E-A947-70E740481C1C}">
+                <a14:useLocalDpi xmlns:a14="http://schemas.microsoft.com/office/drawing/2010/main" val="0"/>
+              </a:ext>
+            </a:extLst>
+          </a:blip>
+          <a:stretch>
+            <a:fillRect/>
+          </a:stretch>
+        </p:blipFill>
+        <p:spPr>
+          <a:xfrm>
+            <a:off x="1624368" y="0"/>
+            <a:ext cx="8943264" cy="6858000"/>
+          </a:xfrm>
+          <a:prstGeom prst="rect">
+            <a:avLst/>
+          </a:prstGeom>
+        </p:spPr>
+      </p:pic>
+    </p:spTree>
+    <p:extLst>
+      <p:ext uri="{BB962C8B-B14F-4D97-AF65-F5344CB8AC3E}">
+        <p14:creationId xmlns:p14="http://schemas.microsoft.com/office/powerpoint/2010/main" val="3331634219"/>
+      </p:ext>
+    </p:extLst>
+  </p:cSld>
+  <p:clrMapOvr>
+    <a:masterClrMapping/>
+  </p:clrMapOvr>
+  <mc:AlternateContent xmlns:mc="http://schemas.openxmlformats.org/markup-compatibility/2006" xmlns:p14="http://schemas.microsoft.com/office/powerpoint/2010/main">
+    <mc:Choice Requires="p14">
+      <p:transition>
+        <p14:ripple/>
+      </p:transition>
+    </mc:Choice>
+    <mc:Fallback xmlns="">
+      <p:transition>
+        <p:fade/>
+      </p:transition>
+    </mc:Fallback>
+  </mc:AlternateContent>
+</p:sld>
+</file>
+
+<file path=ppt/slides/slide4.xml><?xml version="1.0" encoding="utf-8"?>
+<p:sld xmlns:a="http://schemas.openxmlformats.org/drawingml/2006/main" xmlns:r="http://schemas.openxmlformats.org/officeDocument/2006/relationships" xmlns:p="http://schemas.openxmlformats.org/presentationml/2006/main">
+  <p:cSld>
+    <p:spTree>
+      <p:nvGrpSpPr>
+        <p:cNvPr id="1" name=""/>
+        <p:cNvGrpSpPr/>
+        <p:nvPr/>
+      </p:nvGrpSpPr>
+      <p:grpSpPr>
+        <a:xfrm>
+          <a:off x="0" y="0"/>
+          <a:ext cx="0" cy="0"/>
+          <a:chOff x="0" y="0"/>
+          <a:chExt cx="0" cy="0"/>
+        </a:xfrm>
+      </p:grpSpPr>
+      <p:sp>
+        <p:nvSpPr>
+          <p:cNvPr id="2" name="Titre 1">
+            <a:extLst>
+              <a:ext uri="{FF2B5EF4-FFF2-40B4-BE49-F238E27FC236}">
+                <a16:creationId xmlns:a16="http://schemas.microsoft.com/office/drawing/2014/main" id="{6A553239-1838-452A-A5CF-9176DB855234}"/>
+              </a:ext>
+            </a:extLst>
+          </p:cNvPr>
+          <p:cNvSpPr>
+            <a:spLocks noGrp="1"/>
+          </p:cNvSpPr>
+          <p:nvPr>
+            <p:ph type="ctrTitle"/>
+          </p:nvPr>
+        </p:nvSpPr>
+        <p:spPr>
+          <a:xfrm>
+            <a:off x="1820379" y="2465293"/>
+            <a:ext cx="9144000" cy="892269"/>
+          </a:xfrm>
+        </p:spPr>
+        <p:txBody>
+          <a:bodyPr>
+            <a:normAutofit fontScale="90000"/>
+          </a:bodyPr>
+          <a:lstStyle/>
+          <a:p>
+            <a:r>
+              <a:rPr lang="fr-FR" dirty="0"/>
+              <a:t>Diagrammes de Séquence</a:t>
             </a:r>
           </a:p>
         </p:txBody>
@@ -2250,7 +2491,7 @@
 </p:sld>
 </file>
 
-<file path=ppt/slides/slide3.xml><?xml version="1.0" encoding="utf-8"?>
+<file path=ppt/slides/slide5.xml><?xml version="1.0" encoding="utf-8"?>
 <p:sld xmlns:a="http://schemas.openxmlformats.org/drawingml/2006/main" xmlns:r="http://schemas.openxmlformats.org/officeDocument/2006/relationships" xmlns:p="http://schemas.openxmlformats.org/presentationml/2006/main">
   <p:cSld>
     <p:spTree>
@@ -5594,7 +5835,7 @@
 </p:sld>
 </file>
 
-<file path=ppt/slides/slide4.xml><?xml version="1.0" encoding="utf-8"?>
+<file path=ppt/slides/slide6.xml><?xml version="1.0" encoding="utf-8"?>
 <p:sld xmlns:a="http://schemas.openxmlformats.org/drawingml/2006/main" xmlns:r="http://schemas.openxmlformats.org/officeDocument/2006/relationships" xmlns:p="http://schemas.openxmlformats.org/presentationml/2006/main">
   <p:cSld>
     <p:spTree>
@@ -8155,7 +8396,7 @@
 </p:sld>
 </file>
 
-<file path=ppt/slides/slide5.xml><?xml version="1.0" encoding="utf-8"?>
+<file path=ppt/slides/slide7.xml><?xml version="1.0" encoding="utf-8"?>
 <p:sld xmlns:a="http://schemas.openxmlformats.org/drawingml/2006/main" xmlns:r="http://schemas.openxmlformats.org/officeDocument/2006/relationships" xmlns:p="http://schemas.openxmlformats.org/presentationml/2006/main">
   <p:cSld>
     <p:spTree>
